--- a/Apresentação VC.pptx
+++ b/Apresentação VC.pptx
@@ -13,7 +13,9 @@
     <p:sldId id="261" r:id="rId7"/>
     <p:sldId id="262" r:id="rId8"/>
     <p:sldId id="263" r:id="rId9"/>
-    <p:sldId id="264" r:id="rId10"/>
+    <p:sldId id="265" r:id="rId10"/>
+    <p:sldId id="266" r:id="rId11"/>
+    <p:sldId id="264" r:id="rId12"/>
   </p:sldIdLst>
   <p:sldSz cx="12192000" cy="6858000"/>
   <p:notesSz cx="6858000" cy="9144000"/>
@@ -112,6 +114,11 @@
       </a:defRPr>
     </a:lvl9pPr>
   </p:defaultTextStyle>
+  <p:extLst>
+    <p:ext uri="{EFAFB233-063F-42B5-8137-9DF3F51BA10A}">
+      <p15:sldGuideLst xmlns:p15="http://schemas.microsoft.com/office/powerpoint/2012/main"/>
+    </p:ext>
+  </p:extLst>
 </p:presentation>
 </file>
 
@@ -5500,6 +5507,205 @@
 </p:sld>
 </file>
 
+<file path=ppt/slides/slide10.xml><?xml version="1.0" encoding="utf-8"?>
+<p:sld xmlns:a="http://schemas.openxmlformats.org/drawingml/2006/main" xmlns:r="http://schemas.openxmlformats.org/officeDocument/2006/relationships" xmlns:p="http://schemas.openxmlformats.org/presentationml/2006/main">
+  <p:cSld>
+    <p:spTree>
+      <p:nvGrpSpPr>
+        <p:cNvPr id="1" name=""/>
+        <p:cNvGrpSpPr/>
+        <p:nvPr/>
+      </p:nvGrpSpPr>
+      <p:grpSpPr>
+        <a:xfrm>
+          <a:off x="0" y="0"/>
+          <a:ext cx="0" cy="0"/>
+          <a:chOff x="0" y="0"/>
+          <a:chExt cx="0" cy="0"/>
+        </a:xfrm>
+      </p:grpSpPr>
+      <p:sp>
+        <p:nvSpPr>
+          <p:cNvPr id="4" name="Título 1">
+            <a:extLst>
+              <a:ext uri="{FF2B5EF4-FFF2-40B4-BE49-F238E27FC236}">
+                <a16:creationId xmlns:a16="http://schemas.microsoft.com/office/drawing/2014/main" id="{13668ECC-B538-159E-0A44-806D78B7F8B0}"/>
+              </a:ext>
+            </a:extLst>
+          </p:cNvPr>
+          <p:cNvSpPr>
+            <a:spLocks noGrp="1"/>
+          </p:cNvSpPr>
+          <p:nvPr>
+            <p:ph type="title"/>
+          </p:nvPr>
+        </p:nvSpPr>
+        <p:spPr>
+          <a:xfrm>
+            <a:off x="609567" y="391195"/>
+            <a:ext cx="8534400" cy="1101704"/>
+          </a:xfrm>
+        </p:spPr>
+        <p:txBody>
+          <a:bodyPr/>
+          <a:lstStyle/>
+          <a:p>
+            <a:r>
+              <a:rPr lang="pt-PT" b="1" dirty="0"/>
+              <a:t>Exemplos Finais</a:t>
+            </a:r>
+          </a:p>
+        </p:txBody>
+      </p:sp>
+      <p:pic>
+        <p:nvPicPr>
+          <p:cNvPr id="6" name="Imagem 5" descr="Uma imagem com texto, interior, fruta, maçã&#10;&#10;Descrição gerada automaticamente">
+            <a:extLst>
+              <a:ext uri="{FF2B5EF4-FFF2-40B4-BE49-F238E27FC236}">
+                <a16:creationId xmlns:a16="http://schemas.microsoft.com/office/drawing/2014/main" id="{CC555129-8EF8-DA04-CD1E-5D772A8C9C43}"/>
+              </a:ext>
+            </a:extLst>
+          </p:cNvPr>
+          <p:cNvPicPr>
+            <a:picLocks noChangeAspect="1"/>
+          </p:cNvPicPr>
+          <p:nvPr/>
+        </p:nvPicPr>
+        <p:blipFill>
+          <a:blip r:embed="rId2">
+            <a:extLst>
+              <a:ext uri="{28A0092B-C50C-407E-A947-70E740481C1C}">
+                <a14:useLocalDpi xmlns:a14="http://schemas.microsoft.com/office/drawing/2010/main" val="0"/>
+              </a:ext>
+            </a:extLst>
+          </a:blip>
+          <a:stretch>
+            <a:fillRect/>
+          </a:stretch>
+        </p:blipFill>
+        <p:spPr>
+          <a:xfrm>
+            <a:off x="162676" y="2169727"/>
+            <a:ext cx="5585990" cy="3145932"/>
+          </a:xfrm>
+          <a:prstGeom prst="rect">
+            <a:avLst/>
+          </a:prstGeom>
+        </p:spPr>
+      </p:pic>
+      <p:pic>
+        <p:nvPicPr>
+          <p:cNvPr id="8" name="Imagem 7" descr="Uma imagem com texto, interior&#10;&#10;Descrição gerada automaticamente">
+            <a:extLst>
+              <a:ext uri="{FF2B5EF4-FFF2-40B4-BE49-F238E27FC236}">
+                <a16:creationId xmlns:a16="http://schemas.microsoft.com/office/drawing/2014/main" id="{D3AC367A-C6AE-125D-8070-5A6056876834}"/>
+              </a:ext>
+            </a:extLst>
+          </p:cNvPr>
+          <p:cNvPicPr>
+            <a:picLocks noChangeAspect="1"/>
+          </p:cNvPicPr>
+          <p:nvPr/>
+        </p:nvPicPr>
+        <p:blipFill>
+          <a:blip r:embed="rId3">
+            <a:extLst>
+              <a:ext uri="{28A0092B-C50C-407E-A947-70E740481C1C}">
+                <a14:useLocalDpi xmlns:a14="http://schemas.microsoft.com/office/drawing/2010/main" val="0"/>
+              </a:ext>
+            </a:extLst>
+          </a:blip>
+          <a:stretch>
+            <a:fillRect/>
+          </a:stretch>
+        </p:blipFill>
+        <p:spPr>
+          <a:xfrm>
+            <a:off x="6444313" y="2169727"/>
+            <a:ext cx="5585011" cy="3145932"/>
+          </a:xfrm>
+          <a:prstGeom prst="rect">
+            <a:avLst/>
+          </a:prstGeom>
+        </p:spPr>
+      </p:pic>
+    </p:spTree>
+    <p:extLst>
+      <p:ext uri="{BB962C8B-B14F-4D97-AF65-F5344CB8AC3E}">
+        <p14:creationId xmlns:p14="http://schemas.microsoft.com/office/powerpoint/2010/main" val="642221681"/>
+      </p:ext>
+    </p:extLst>
+  </p:cSld>
+  <p:clrMapOvr>
+    <a:masterClrMapping/>
+  </p:clrMapOvr>
+</p:sld>
+</file>
+
+<file path=ppt/slides/slide11.xml><?xml version="1.0" encoding="utf-8"?>
+<p:sld xmlns:a="http://schemas.openxmlformats.org/drawingml/2006/main" xmlns:r="http://schemas.openxmlformats.org/officeDocument/2006/relationships" xmlns:p="http://schemas.openxmlformats.org/presentationml/2006/main">
+  <p:cSld>
+    <p:spTree>
+      <p:nvGrpSpPr>
+        <p:cNvPr id="1" name=""/>
+        <p:cNvGrpSpPr/>
+        <p:nvPr/>
+      </p:nvGrpSpPr>
+      <p:grpSpPr>
+        <a:xfrm>
+          <a:off x="0" y="0"/>
+          <a:ext cx="0" cy="0"/>
+          <a:chOff x="0" y="0"/>
+          <a:chExt cx="0" cy="0"/>
+        </a:xfrm>
+      </p:grpSpPr>
+      <p:sp>
+        <p:nvSpPr>
+          <p:cNvPr id="2" name="Título 1">
+            <a:extLst>
+              <a:ext uri="{FF2B5EF4-FFF2-40B4-BE49-F238E27FC236}">
+                <a16:creationId xmlns:a16="http://schemas.microsoft.com/office/drawing/2014/main" id="{2A822080-341A-E288-D1A4-1D822623E04B}"/>
+              </a:ext>
+            </a:extLst>
+          </p:cNvPr>
+          <p:cNvSpPr>
+            <a:spLocks noGrp="1"/>
+          </p:cNvSpPr>
+          <p:nvPr>
+            <p:ph type="title"/>
+          </p:nvPr>
+        </p:nvSpPr>
+        <p:spPr>
+          <a:xfrm>
+            <a:off x="1828800" y="2675466"/>
+            <a:ext cx="8534400" cy="1507067"/>
+          </a:xfrm>
+        </p:spPr>
+        <p:txBody>
+          <a:bodyPr/>
+          <a:lstStyle/>
+          <a:p>
+            <a:pPr algn="ctr"/>
+            <a:r>
+              <a:rPr lang="pt-PT" b="1" dirty="0"/>
+              <a:t>FIM</a:t>
+            </a:r>
+          </a:p>
+        </p:txBody>
+      </p:sp>
+    </p:spTree>
+    <p:extLst>
+      <p:ext uri="{BB962C8B-B14F-4D97-AF65-F5344CB8AC3E}">
+        <p14:creationId xmlns:p14="http://schemas.microsoft.com/office/powerpoint/2010/main" val="3522656525"/>
+      </p:ext>
+    </p:extLst>
+  </p:cSld>
+  <p:clrMapOvr>
+    <a:masterClrMapping/>
+  </p:clrMapOvr>
+</p:sld>
+</file>
+
 <file path=ppt/slides/slide2.xml><?xml version="1.0" encoding="utf-8"?>
 <p:sld xmlns:a="http://schemas.openxmlformats.org/drawingml/2006/main" xmlns:r="http://schemas.openxmlformats.org/officeDocument/2006/relationships" xmlns:p="http://schemas.openxmlformats.org/presentationml/2006/main">
   <p:cSld>
@@ -5822,19 +6028,17 @@
       </p:sp>
       <p:pic>
         <p:nvPicPr>
-          <p:cNvPr id="9" name="Marcador de Posição de Conteúdo 8">
+          <p:cNvPr id="8" name="Imagem 7">
             <a:extLst>
               <a:ext uri="{FF2B5EF4-FFF2-40B4-BE49-F238E27FC236}">
-                <a16:creationId xmlns:a16="http://schemas.microsoft.com/office/drawing/2014/main" id="{34C19928-05AB-0A5C-E1E4-8617C4E3FE9C}"/>
+                <a16:creationId xmlns:a16="http://schemas.microsoft.com/office/drawing/2014/main" id="{BE924BA5-EBB3-41DF-FFA0-B04306C8BAFA}"/>
               </a:ext>
             </a:extLst>
           </p:cNvPr>
           <p:cNvPicPr>
-            <a:picLocks noGrp="1" noChangeAspect="1"/>
+            <a:picLocks noChangeAspect="1"/>
           </p:cNvPicPr>
-          <p:nvPr>
-            <p:ph idx="1"/>
-          </p:nvPr>
+          <p:nvPr/>
         </p:nvPicPr>
         <p:blipFill>
           <a:blip r:embed="rId2"/>
@@ -5844,9 +6048,12 @@
         </p:blipFill>
         <p:spPr>
           <a:xfrm>
-            <a:off x="0" y="0"/>
-            <a:ext cx="3136114" cy="6858000"/>
-          </a:xfrm>
+            <a:off x="-9427" y="0"/>
+            <a:ext cx="3450210" cy="6869706"/>
+          </a:xfrm>
+          <a:prstGeom prst="rect">
+            <a:avLst/>
+          </a:prstGeom>
         </p:spPr>
       </p:pic>
     </p:spTree>
@@ -5914,19 +6121,17 @@
       </p:sp>
       <p:pic>
         <p:nvPicPr>
-          <p:cNvPr id="11" name="Marcador de Posição de Conteúdo 10">
+          <p:cNvPr id="13" name="Imagem 12">
             <a:extLst>
               <a:ext uri="{FF2B5EF4-FFF2-40B4-BE49-F238E27FC236}">
-                <a16:creationId xmlns:a16="http://schemas.microsoft.com/office/drawing/2014/main" id="{F1222D82-0105-5DD9-24BA-7B3861B6EDEE}"/>
+                <a16:creationId xmlns:a16="http://schemas.microsoft.com/office/drawing/2014/main" id="{EA4022CA-0CB5-5E32-CC96-59E30F4C08BA}"/>
               </a:ext>
             </a:extLst>
           </p:cNvPr>
           <p:cNvPicPr>
-            <a:picLocks noGrp="1" noChangeAspect="1"/>
+            <a:picLocks noChangeAspect="1"/>
           </p:cNvPicPr>
-          <p:nvPr>
-            <p:ph idx="1"/>
-          </p:nvPr>
+          <p:nvPr/>
         </p:nvPicPr>
         <p:blipFill>
           <a:blip r:embed="rId2"/>
@@ -5936,17 +6141,102 @@
         </p:blipFill>
         <p:spPr>
           <a:xfrm>
-            <a:off x="2860975" y="1524653"/>
-            <a:ext cx="5213177" cy="3212056"/>
-          </a:xfrm>
+            <a:off x="1681468" y="4863204"/>
+            <a:ext cx="8176969" cy="624894"/>
+          </a:xfrm>
+          <a:prstGeom prst="rect">
+            <a:avLst/>
+          </a:prstGeom>
         </p:spPr>
       </p:pic>
+      <p:sp>
+        <p:nvSpPr>
+          <p:cNvPr id="14" name="CaixaDeTexto 13">
+            <a:extLst>
+              <a:ext uri="{FF2B5EF4-FFF2-40B4-BE49-F238E27FC236}">
+                <a16:creationId xmlns:a16="http://schemas.microsoft.com/office/drawing/2014/main" id="{2D74BC0E-07AF-44F7-D414-8E3BBA81CBFB}"/>
+              </a:ext>
+            </a:extLst>
+          </p:cNvPr>
+          <p:cNvSpPr txBox="1"/>
+          <p:nvPr/>
+        </p:nvSpPr>
+        <p:spPr>
+          <a:xfrm>
+            <a:off x="1649099" y="5614593"/>
+            <a:ext cx="8566769" cy="1200329"/>
+          </a:xfrm>
+          <a:prstGeom prst="rect">
+            <a:avLst/>
+          </a:prstGeom>
+          <a:noFill/>
+        </p:spPr>
+        <p:txBody>
+          <a:bodyPr wrap="none" rtlCol="0">
+            <a:spAutoFit/>
+          </a:bodyPr>
+          <a:lstStyle/>
+          <a:p>
+            <a:r>
+              <a:rPr lang="pt-PT" dirty="0"/>
+              <a:t>Este duplo ciclo vai comparar cada </a:t>
+            </a:r>
+            <a:r>
+              <a:rPr lang="pt-PT" dirty="0" err="1"/>
+              <a:t>blob</a:t>
+            </a:r>
+            <a:r>
+              <a:rPr lang="pt-PT" dirty="0"/>
+              <a:t> da segmentação das</a:t>
+            </a:r>
+          </a:p>
+          <a:p>
+            <a:r>
+              <a:rPr lang="pt-PT" dirty="0"/>
+              <a:t>laranjas com todos os </a:t>
+            </a:r>
+            <a:r>
+              <a:rPr lang="pt-PT" dirty="0" err="1"/>
+              <a:t>blobs</a:t>
+            </a:r>
+            <a:r>
+              <a:rPr lang="pt-PT" dirty="0"/>
+              <a:t> da segmentação da mesa invertida na </a:t>
+            </a:r>
+            <a:r>
+              <a:rPr lang="pt-PT" dirty="0" err="1"/>
+              <a:t>frame</a:t>
+            </a:r>
+            <a:endParaRPr lang="pt-PT" dirty="0"/>
+          </a:p>
+          <a:p>
+            <a:r>
+              <a:rPr lang="pt-PT" dirty="0"/>
+              <a:t>Dentre destes ciclos ocorre o código que determina se o </a:t>
+            </a:r>
+            <a:r>
+              <a:rPr lang="pt-PT" dirty="0" err="1"/>
+              <a:t>blob</a:t>
+            </a:r>
+            <a:r>
+              <a:rPr lang="pt-PT" dirty="0"/>
+              <a:t> é laranja ou</a:t>
+            </a:r>
+          </a:p>
+          <a:p>
+            <a:r>
+              <a:rPr lang="pt-PT" dirty="0"/>
+              <a:t>não e a obtenção de dados da mesma</a:t>
+            </a:r>
+          </a:p>
+        </p:txBody>
+      </p:sp>
       <p:pic>
         <p:nvPicPr>
-          <p:cNvPr id="13" name="Imagem 12">
+          <p:cNvPr id="6" name="Imagem 5">
             <a:extLst>
               <a:ext uri="{FF2B5EF4-FFF2-40B4-BE49-F238E27FC236}">
-                <a16:creationId xmlns:a16="http://schemas.microsoft.com/office/drawing/2014/main" id="{EA4022CA-0CB5-5E32-CC96-59E30F4C08BA}"/>
+                <a16:creationId xmlns:a16="http://schemas.microsoft.com/office/drawing/2014/main" id="{E57248C6-5AFA-AECD-B5B0-7FBC5FE28C8C}"/>
               </a:ext>
             </a:extLst>
           </p:cNvPr>
@@ -5963,96 +6253,14 @@
         </p:blipFill>
         <p:spPr>
           <a:xfrm>
-            <a:off x="1681468" y="4863204"/>
-            <a:ext cx="8176969" cy="624894"/>
+            <a:off x="2565494" y="1488890"/>
+            <a:ext cx="6408916" cy="3247819"/>
           </a:xfrm>
           <a:prstGeom prst="rect">
             <a:avLst/>
           </a:prstGeom>
         </p:spPr>
       </p:pic>
-      <p:sp>
-        <p:nvSpPr>
-          <p:cNvPr id="14" name="CaixaDeTexto 13">
-            <a:extLst>
-              <a:ext uri="{FF2B5EF4-FFF2-40B4-BE49-F238E27FC236}">
-                <a16:creationId xmlns:a16="http://schemas.microsoft.com/office/drawing/2014/main" id="{2D74BC0E-07AF-44F7-D414-8E3BBA81CBFB}"/>
-              </a:ext>
-            </a:extLst>
-          </p:cNvPr>
-          <p:cNvSpPr txBox="1"/>
-          <p:nvPr/>
-        </p:nvSpPr>
-        <p:spPr>
-          <a:xfrm>
-            <a:off x="1649099" y="5614593"/>
-            <a:ext cx="8566769" cy="1200329"/>
-          </a:xfrm>
-          <a:prstGeom prst="rect">
-            <a:avLst/>
-          </a:prstGeom>
-          <a:noFill/>
-        </p:spPr>
-        <p:txBody>
-          <a:bodyPr wrap="none" rtlCol="0">
-            <a:spAutoFit/>
-          </a:bodyPr>
-          <a:lstStyle/>
-          <a:p>
-            <a:r>
-              <a:rPr lang="pt-PT" dirty="0"/>
-              <a:t>Este duplo ciclo vai comparar cada </a:t>
-            </a:r>
-            <a:r>
-              <a:rPr lang="pt-PT" dirty="0" err="1"/>
-              <a:t>blob</a:t>
-            </a:r>
-            <a:r>
-              <a:rPr lang="pt-PT" dirty="0"/>
-              <a:t> da segmentação das</a:t>
-            </a:r>
-          </a:p>
-          <a:p>
-            <a:r>
-              <a:rPr lang="pt-PT" dirty="0"/>
-              <a:t>laranjas com todos os </a:t>
-            </a:r>
-            <a:r>
-              <a:rPr lang="pt-PT" dirty="0" err="1"/>
-              <a:t>blobs</a:t>
-            </a:r>
-            <a:r>
-              <a:rPr lang="pt-PT" dirty="0"/>
-              <a:t> da segmentação da mesa invertida na </a:t>
-            </a:r>
-            <a:r>
-              <a:rPr lang="pt-PT" dirty="0" err="1"/>
-              <a:t>frame</a:t>
-            </a:r>
-            <a:endParaRPr lang="pt-PT" dirty="0"/>
-          </a:p>
-          <a:p>
-            <a:r>
-              <a:rPr lang="pt-PT" dirty="0"/>
-              <a:t>Dentre destes ciclos ocorre o código que determina se o </a:t>
-            </a:r>
-            <a:r>
-              <a:rPr lang="pt-PT" dirty="0" err="1"/>
-              <a:t>blob</a:t>
-            </a:r>
-            <a:r>
-              <a:rPr lang="pt-PT" dirty="0"/>
-              <a:t> é laranja ou</a:t>
-            </a:r>
-          </a:p>
-          <a:p>
-            <a:r>
-              <a:rPr lang="pt-PT" dirty="0"/>
-              <a:t>não e a obtenção de dados da mesma</a:t>
-            </a:r>
-          </a:p>
-        </p:txBody>
-      </p:sp>
     </p:spTree>
     <p:extLst>
       <p:ext uri="{BB962C8B-B14F-4D97-AF65-F5344CB8AC3E}">
@@ -6771,10 +6979,10 @@
       </p:grpSpPr>
       <p:sp>
         <p:nvSpPr>
-          <p:cNvPr id="2" name="Título 1">
+          <p:cNvPr id="4" name="Título 1">
             <a:extLst>
               <a:ext uri="{FF2B5EF4-FFF2-40B4-BE49-F238E27FC236}">
-                <a16:creationId xmlns:a16="http://schemas.microsoft.com/office/drawing/2014/main" id="{2A822080-341A-E288-D1A4-1D822623E04B}"/>
+                <a16:creationId xmlns:a16="http://schemas.microsoft.com/office/drawing/2014/main" id="{D56CB42C-F484-2BC2-E656-777F7CC9D2EB}"/>
               </a:ext>
             </a:extLst>
           </p:cNvPr>
@@ -6787,7 +6995,7 @@
         </p:nvSpPr>
         <p:spPr>
           <a:xfrm>
-            <a:off x="1828800" y="2675466"/>
+            <a:off x="609567" y="391194"/>
             <a:ext cx="8534400" cy="1507067"/>
           </a:xfrm>
         </p:spPr>
@@ -6795,10 +7003,116 @@
           <a:bodyPr/>
           <a:lstStyle/>
           <a:p>
-            <a:pPr algn="ctr"/>
             <a:r>
               <a:rPr lang="pt-PT" b="1" dirty="0"/>
-              <a:t>FIM</a:t>
+              <a:t>Exemplos das segmentações a comparar</a:t>
+            </a:r>
+          </a:p>
+        </p:txBody>
+      </p:sp>
+      <p:pic>
+        <p:nvPicPr>
+          <p:cNvPr id="6" name="Imagem 5" descr="Uma imagem com texto&#10;&#10;Descrição gerada automaticamente">
+            <a:extLst>
+              <a:ext uri="{FF2B5EF4-FFF2-40B4-BE49-F238E27FC236}">
+                <a16:creationId xmlns:a16="http://schemas.microsoft.com/office/drawing/2014/main" id="{17B20EB2-EC20-BDA8-190B-564849A57C73}"/>
+              </a:ext>
+            </a:extLst>
+          </p:cNvPr>
+          <p:cNvPicPr>
+            <a:picLocks noChangeAspect="1"/>
+          </p:cNvPicPr>
+          <p:nvPr/>
+        </p:nvPicPr>
+        <p:blipFill>
+          <a:blip r:embed="rId2">
+            <a:extLst>
+              <a:ext uri="{28A0092B-C50C-407E-A947-70E740481C1C}">
+                <a14:useLocalDpi xmlns:a14="http://schemas.microsoft.com/office/drawing/2010/main" val="0"/>
+              </a:ext>
+            </a:extLst>
+          </a:blip>
+          <a:stretch>
+            <a:fillRect/>
+          </a:stretch>
+        </p:blipFill>
+        <p:spPr>
+          <a:xfrm>
+            <a:off x="130618" y="2264487"/>
+            <a:ext cx="5363061" cy="3781749"/>
+          </a:xfrm>
+          <a:prstGeom prst="rect">
+            <a:avLst/>
+          </a:prstGeom>
+        </p:spPr>
+      </p:pic>
+      <p:pic>
+        <p:nvPicPr>
+          <p:cNvPr id="10" name="Imagem 9" descr="Uma imagem com texto, louça&#10;&#10;Descrição gerada automaticamente">
+            <a:extLst>
+              <a:ext uri="{FF2B5EF4-FFF2-40B4-BE49-F238E27FC236}">
+                <a16:creationId xmlns:a16="http://schemas.microsoft.com/office/drawing/2014/main" id="{2601EC04-9C57-6523-67B9-F8938104482F}"/>
+              </a:ext>
+            </a:extLst>
+          </p:cNvPr>
+          <p:cNvPicPr>
+            <a:picLocks noChangeAspect="1"/>
+          </p:cNvPicPr>
+          <p:nvPr/>
+        </p:nvPicPr>
+        <p:blipFill>
+          <a:blip r:embed="rId3">
+            <a:extLst>
+              <a:ext uri="{28A0092B-C50C-407E-A947-70E740481C1C}">
+                <a14:useLocalDpi xmlns:a14="http://schemas.microsoft.com/office/drawing/2010/main" val="0"/>
+              </a:ext>
+            </a:extLst>
+          </a:blip>
+          <a:stretch>
+            <a:fillRect/>
+          </a:stretch>
+        </p:blipFill>
+        <p:spPr>
+          <a:xfrm>
+            <a:off x="6698321" y="2264488"/>
+            <a:ext cx="5363061" cy="3781748"/>
+          </a:xfrm>
+          <a:prstGeom prst="rect">
+            <a:avLst/>
+          </a:prstGeom>
+        </p:spPr>
+      </p:pic>
+      <p:sp>
+        <p:nvSpPr>
+          <p:cNvPr id="11" name="CaixaDeTexto 10">
+            <a:extLst>
+              <a:ext uri="{FF2B5EF4-FFF2-40B4-BE49-F238E27FC236}">
+                <a16:creationId xmlns:a16="http://schemas.microsoft.com/office/drawing/2014/main" id="{84C3FFF6-D7C8-607C-5446-865EFD6422D0}"/>
+              </a:ext>
+            </a:extLst>
+          </p:cNvPr>
+          <p:cNvSpPr txBox="1"/>
+          <p:nvPr/>
+        </p:nvSpPr>
+        <p:spPr>
+          <a:xfrm>
+            <a:off x="5720513" y="3832195"/>
+            <a:ext cx="750974" cy="646331"/>
+          </a:xfrm>
+          <a:prstGeom prst="rect">
+            <a:avLst/>
+          </a:prstGeom>
+          <a:noFill/>
+        </p:spPr>
+        <p:txBody>
+          <a:bodyPr wrap="square" rtlCol="0">
+            <a:spAutoFit/>
+          </a:bodyPr>
+          <a:lstStyle/>
+          <a:p>
+            <a:r>
+              <a:rPr lang="pt-PT" sz="3600" b="1" dirty="0"/>
+              <a:t>VS</a:t>
             </a:r>
           </a:p>
         </p:txBody>
@@ -6806,7 +7120,7 @@
     </p:spTree>
     <p:extLst>
       <p:ext uri="{BB962C8B-B14F-4D97-AF65-F5344CB8AC3E}">
-        <p14:creationId xmlns:p14="http://schemas.microsoft.com/office/powerpoint/2010/main" val="3522656525"/>
+        <p14:creationId xmlns:p14="http://schemas.microsoft.com/office/powerpoint/2010/main" val="4100181892"/>
       </p:ext>
     </p:extLst>
   </p:cSld>
